--- a/doc/Diagrams.pptx
+++ b/doc/Diagrams.pptx
@@ -109,6 +109,22 @@
       </a:defRPr>
     </a:lvl9pPr>
   </p:defaultTextStyle>
+  <p:extLst>
+    <p:ext uri="{EFAFB233-063F-42B5-8137-9DF3F51BA10A}">
+      <p15:sldGuideLst xmlns:p15="http://schemas.microsoft.com/office/powerpoint/2012/main">
+        <p15:guide id="1" orient="horz" pos="2160">
+          <p15:clr>
+            <a:srgbClr val="A4A3A4"/>
+          </p15:clr>
+        </p15:guide>
+        <p15:guide id="2" pos="2880">
+          <p15:clr>
+            <a:srgbClr val="A4A3A4"/>
+          </p15:clr>
+        </p15:guide>
+      </p15:sldGuideLst>
+    </p:ext>
+  </p:extLst>
 </p:presentation>
 </file>
 
@@ -194,7 +210,7 @@
           <a:p>
             <a:fld id="{F5CC4B3F-88C1-4FFA-B1B6-F41C21DC6924}" type="datetimeFigureOut">
               <a:rPr lang="en-US" smtClean="0"/>
-              <a:t>9/18/2016</a:t>
+              <a:t>9/24/16</a:t>
             </a:fld>
             <a:endParaRPr lang="en-US"/>
           </a:p>
@@ -727,7 +743,7 @@
           <a:p>
             <a:fld id="{78C97017-6FC3-485B-9764-EAC9E56C1D49}" type="datetimeFigureOut">
               <a:rPr lang="en-US" smtClean="0"/>
-              <a:t>9/18/2016</a:t>
+              <a:t>9/24/16</a:t>
             </a:fld>
             <a:endParaRPr lang="en-US"/>
           </a:p>
@@ -897,7 +913,7 @@
           <a:p>
             <a:fld id="{78C97017-6FC3-485B-9764-EAC9E56C1D49}" type="datetimeFigureOut">
               <a:rPr lang="en-US" smtClean="0"/>
-              <a:t>9/18/2016</a:t>
+              <a:t>9/24/16</a:t>
             </a:fld>
             <a:endParaRPr lang="en-US"/>
           </a:p>
@@ -1077,7 +1093,7 @@
           <a:p>
             <a:fld id="{78C97017-6FC3-485B-9764-EAC9E56C1D49}" type="datetimeFigureOut">
               <a:rPr lang="en-US" smtClean="0"/>
-              <a:t>9/18/2016</a:t>
+              <a:t>9/24/16</a:t>
             </a:fld>
             <a:endParaRPr lang="en-US"/>
           </a:p>
@@ -1247,7 +1263,7 @@
           <a:p>
             <a:fld id="{78C97017-6FC3-485B-9764-EAC9E56C1D49}" type="datetimeFigureOut">
               <a:rPr lang="en-US" smtClean="0"/>
-              <a:t>9/18/2016</a:t>
+              <a:t>9/24/16</a:t>
             </a:fld>
             <a:endParaRPr lang="en-US"/>
           </a:p>
@@ -1493,7 +1509,7 @@
           <a:p>
             <a:fld id="{78C97017-6FC3-485B-9764-EAC9E56C1D49}" type="datetimeFigureOut">
               <a:rPr lang="en-US" smtClean="0"/>
-              <a:t>9/18/2016</a:t>
+              <a:t>9/24/16</a:t>
             </a:fld>
             <a:endParaRPr lang="en-US"/>
           </a:p>
@@ -1781,7 +1797,7 @@
           <a:p>
             <a:fld id="{78C97017-6FC3-485B-9764-EAC9E56C1D49}" type="datetimeFigureOut">
               <a:rPr lang="en-US" smtClean="0"/>
-              <a:t>9/18/2016</a:t>
+              <a:t>9/24/16</a:t>
             </a:fld>
             <a:endParaRPr lang="en-US"/>
           </a:p>
@@ -2203,7 +2219,7 @@
           <a:p>
             <a:fld id="{78C97017-6FC3-485B-9764-EAC9E56C1D49}" type="datetimeFigureOut">
               <a:rPr lang="en-US" smtClean="0"/>
-              <a:t>9/18/2016</a:t>
+              <a:t>9/24/16</a:t>
             </a:fld>
             <a:endParaRPr lang="en-US"/>
           </a:p>
@@ -2321,7 +2337,7 @@
           <a:p>
             <a:fld id="{78C97017-6FC3-485B-9764-EAC9E56C1D49}" type="datetimeFigureOut">
               <a:rPr lang="en-US" smtClean="0"/>
-              <a:t>9/18/2016</a:t>
+              <a:t>9/24/16</a:t>
             </a:fld>
             <a:endParaRPr lang="en-US"/>
           </a:p>
@@ -2416,7 +2432,7 @@
           <a:p>
             <a:fld id="{78C97017-6FC3-485B-9764-EAC9E56C1D49}" type="datetimeFigureOut">
               <a:rPr lang="en-US" smtClean="0"/>
-              <a:t>9/18/2016</a:t>
+              <a:t>9/24/16</a:t>
             </a:fld>
             <a:endParaRPr lang="en-US"/>
           </a:p>
@@ -2693,7 +2709,7 @@
           <a:p>
             <a:fld id="{78C97017-6FC3-485B-9764-EAC9E56C1D49}" type="datetimeFigureOut">
               <a:rPr lang="en-US" smtClean="0"/>
-              <a:t>9/18/2016</a:t>
+              <a:t>9/24/16</a:t>
             </a:fld>
             <a:endParaRPr lang="en-US"/>
           </a:p>
@@ -2946,7 +2962,7 @@
           <a:p>
             <a:fld id="{78C97017-6FC3-485B-9764-EAC9E56C1D49}" type="datetimeFigureOut">
               <a:rPr lang="en-US" smtClean="0"/>
-              <a:t>9/18/2016</a:t>
+              <a:t>9/24/16</a:t>
             </a:fld>
             <a:endParaRPr lang="en-US"/>
           </a:p>
@@ -3159,7 +3175,7 @@
           <a:p>
             <a:fld id="{78C97017-6FC3-485B-9764-EAC9E56C1D49}" type="datetimeFigureOut">
               <a:rPr lang="en-US" smtClean="0"/>
-              <a:t>9/18/2016</a:t>
+              <a:t>9/24/16</a:t>
             </a:fld>
             <a:endParaRPr lang="en-US"/>
           </a:p>
@@ -4132,65 +4148,6 @@
           </a:p>
         </p:txBody>
       </p:sp>
-      <p:sp>
-        <p:nvSpPr>
-          <p:cNvPr id="23" name="Rectangle 22"/>
-          <p:cNvSpPr/>
-          <p:nvPr/>
-        </p:nvSpPr>
-        <p:spPr>
-          <a:xfrm>
-            <a:off x="2410207" y="4460471"/>
-            <a:ext cx="790193" cy="346760"/>
-          </a:xfrm>
-          <a:prstGeom prst="rect">
-            <a:avLst/>
-          </a:prstGeom>
-          <a:solidFill>
-            <a:srgbClr val="00B050"/>
-          </a:solidFill>
-          <a:ln w="19050">
-            <a:solidFill>
-              <a:srgbClr val="00B050"/>
-            </a:solidFill>
-          </a:ln>
-          <a:effectLst/>
-        </p:spPr>
-        <p:style>
-          <a:lnRef idx="1">
-            <a:schemeClr val="accent2"/>
-          </a:lnRef>
-          <a:fillRef idx="2">
-            <a:schemeClr val="accent2"/>
-          </a:fillRef>
-          <a:effectRef idx="1">
-            <a:schemeClr val="accent2"/>
-          </a:effectRef>
-          <a:fontRef idx="minor">
-            <a:schemeClr val="dk1"/>
-          </a:fontRef>
-        </p:style>
-        <p:txBody>
-          <a:bodyPr rtlCol="0" anchor="ctr"/>
-          <a:lstStyle/>
-          <a:p>
-            <a:pPr algn="ctr"/>
-            <a:r>
-              <a:rPr lang="en-US" sz="1050" dirty="0" err="1">
-                <a:solidFill>
-                  <a:schemeClr val="bg1"/>
-                </a:solidFill>
-              </a:rPr>
-              <a:t>StorageFile</a:t>
-            </a:r>
-            <a:endParaRPr lang="en-SG" sz="1050" dirty="0">
-              <a:solidFill>
-                <a:schemeClr val="bg1"/>
-              </a:solidFill>
-            </a:endParaRPr>
-          </a:p>
-        </p:txBody>
-      </p:sp>
       <p:cxnSp>
         <p:nvCxnSpPr>
           <p:cNvPr id="35" name="Elbow Connector 34"/>
@@ -4280,7 +4237,6 @@
           <p:cNvPr id="41" name="Elbow Connector 40"/>
           <p:cNvCxnSpPr>
             <a:stCxn id="66" idx="2"/>
-            <a:endCxn id="23" idx="0"/>
           </p:cNvCxnSpPr>
           <p:nvPr/>
         </p:nvCxnSpPr>
@@ -4872,7 +4828,7 @@
         </p:nvSpPr>
         <p:spPr>
           <a:xfrm>
-            <a:off x="6363802" y="5140408"/>
+            <a:off x="6367754" y="5616084"/>
             <a:ext cx="1408598" cy="346760"/>
           </a:xfrm>
           <a:prstGeom prst="rect">
@@ -4925,12 +4881,12 @@
         </p:nvCxnSpPr>
         <p:spPr>
           <a:xfrm>
-            <a:off x="304800" y="3006041"/>
-            <a:ext cx="6059002" cy="2307747"/>
+            <a:off x="304800" y="3003558"/>
+            <a:ext cx="6062954" cy="2785906"/>
           </a:xfrm>
           <a:prstGeom prst="bentConnector3">
             <a:avLst>
-              <a:gd name="adj1" fmla="val 0"/>
+              <a:gd name="adj1" fmla="val -194"/>
             </a:avLst>
           </a:prstGeom>
           <a:ln w="19050">
@@ -4966,7 +4922,7 @@
         </p:nvSpPr>
         <p:spPr>
           <a:xfrm rot="10800000">
-            <a:off x="6964221" y="4953000"/>
+            <a:off x="6967104" y="5457309"/>
             <a:ext cx="270504" cy="175523"/>
           </a:xfrm>
           <a:prstGeom prst="triangle">
@@ -5009,8 +4965,8 @@
         </p:nvCxnSpPr>
         <p:spPr>
           <a:xfrm rot="5400000">
-            <a:off x="6974138" y="4824781"/>
-            <a:ext cx="253555" cy="2883"/>
+            <a:off x="6723424" y="5078377"/>
+            <a:ext cx="757864" cy="12700"/>
           </a:xfrm>
           <a:prstGeom prst="bentConnector3">
             <a:avLst>
@@ -6005,7 +5961,7 @@
         </p:nvSpPr>
         <p:spPr>
           <a:xfrm>
-            <a:off x="3775013" y="4455640"/>
+            <a:off x="3834790" y="5146507"/>
             <a:ext cx="929296" cy="346760"/>
           </a:xfrm>
           <a:prstGeom prst="rect">
@@ -6049,14 +6005,13 @@
         <p:nvCxnSpPr>
           <p:cNvPr id="102" name="Elbow Connector 101"/>
           <p:cNvCxnSpPr>
-            <a:stCxn id="23" idx="3"/>
             <a:endCxn id="101" idx="1"/>
           </p:cNvCxnSpPr>
           <p:nvPr/>
         </p:nvCxnSpPr>
         <p:spPr>
           <a:xfrm flipV="1">
-            <a:off x="3200400" y="4629020"/>
+            <a:off x="3260177" y="5319887"/>
             <a:ext cx="574613" cy="4831"/>
           </a:xfrm>
           <a:prstGeom prst="bentConnector3">
@@ -6870,6 +6825,224 @@
             <a:prstDash val="dash"/>
             <a:headEnd type="none" w="med" len="med"/>
             <a:tailEnd type="arrow" w="med" len="med"/>
+          </a:ln>
+          <a:effectLst/>
+        </p:spPr>
+        <p:style>
+          <a:lnRef idx="1">
+            <a:schemeClr val="accent2"/>
+          </a:lnRef>
+          <a:fillRef idx="2">
+            <a:schemeClr val="accent2"/>
+          </a:fillRef>
+          <a:effectRef idx="1">
+            <a:schemeClr val="accent2"/>
+          </a:effectRef>
+          <a:fontRef idx="minor">
+            <a:schemeClr val="dk1"/>
+          </a:fontRef>
+        </p:style>
+      </p:cxnSp>
+      <p:sp>
+        <p:nvSpPr>
+          <p:cNvPr id="74" name="Rectangle 22"/>
+          <p:cNvSpPr/>
+          <p:nvPr/>
+        </p:nvSpPr>
+        <p:spPr>
+          <a:xfrm>
+            <a:off x="2414591" y="4467830"/>
+            <a:ext cx="790193" cy="346760"/>
+          </a:xfrm>
+          <a:prstGeom prst="rect">
+            <a:avLst/>
+          </a:prstGeom>
+          <a:solidFill>
+            <a:srgbClr val="0070C0"/>
+          </a:solidFill>
+          <a:ln w="19050">
+            <a:solidFill>
+              <a:srgbClr val="0070C0"/>
+            </a:solidFill>
+          </a:ln>
+          <a:effectLst/>
+        </p:spPr>
+        <p:style>
+          <a:lnRef idx="1">
+            <a:schemeClr val="accent2"/>
+          </a:lnRef>
+          <a:fillRef idx="2">
+            <a:schemeClr val="accent2"/>
+          </a:fillRef>
+          <a:effectRef idx="1">
+            <a:schemeClr val="accent2"/>
+          </a:effectRef>
+          <a:fontRef idx="minor">
+            <a:schemeClr val="dk1"/>
+          </a:fontRef>
+        </p:style>
+        <p:txBody>
+          <a:bodyPr rtlCol="0" anchor="ctr"/>
+          <a:lstStyle/>
+          <a:p>
+            <a:pPr algn="ctr"/>
+            <a:r>
+              <a:rPr lang="en-US" sz="1050" dirty="0">
+                <a:solidFill>
+                  <a:schemeClr val="bg1"/>
+                </a:solidFill>
+              </a:rPr>
+              <a:t>{abstract}</a:t>
+            </a:r>
+            <a:br>
+              <a:rPr lang="en-US" sz="1050" dirty="0">
+                <a:solidFill>
+                  <a:schemeClr val="bg1"/>
+                </a:solidFill>
+              </a:rPr>
+            </a:br>
+            <a:r>
+              <a:rPr lang="en-US" sz="1050" dirty="0">
+                <a:solidFill>
+                  <a:schemeClr val="bg1"/>
+                </a:solidFill>
+              </a:rPr>
+              <a:t>Storage</a:t>
+            </a:r>
+            <a:endParaRPr lang="en-SG" sz="1050" dirty="0">
+              <a:solidFill>
+                <a:schemeClr val="bg1"/>
+              </a:solidFill>
+            </a:endParaRPr>
+          </a:p>
+        </p:txBody>
+      </p:sp>
+      <p:sp>
+        <p:nvSpPr>
+          <p:cNvPr id="78" name="Rectangle 22"/>
+          <p:cNvSpPr/>
+          <p:nvPr/>
+        </p:nvSpPr>
+        <p:spPr>
+          <a:xfrm>
+            <a:off x="2376901" y="5146507"/>
+            <a:ext cx="865573" cy="346760"/>
+          </a:xfrm>
+          <a:prstGeom prst="rect">
+            <a:avLst/>
+          </a:prstGeom>
+          <a:solidFill>
+            <a:srgbClr val="00B050"/>
+          </a:solidFill>
+          <a:ln w="19050">
+            <a:solidFill>
+              <a:srgbClr val="00B050"/>
+            </a:solidFill>
+          </a:ln>
+          <a:effectLst/>
+        </p:spPr>
+        <p:style>
+          <a:lnRef idx="1">
+            <a:schemeClr val="accent2"/>
+          </a:lnRef>
+          <a:fillRef idx="2">
+            <a:schemeClr val="accent2"/>
+          </a:fillRef>
+          <a:effectRef idx="1">
+            <a:schemeClr val="accent2"/>
+          </a:effectRef>
+          <a:fontRef idx="minor">
+            <a:schemeClr val="dk1"/>
+          </a:fontRef>
+        </p:style>
+        <p:txBody>
+          <a:bodyPr rtlCol="0" anchor="ctr"/>
+          <a:lstStyle/>
+          <a:p>
+            <a:pPr algn="ctr"/>
+            <a:r>
+              <a:rPr lang="en-US" sz="1050" dirty="0" err="1" smtClean="0">
+                <a:solidFill>
+                  <a:schemeClr val="bg1"/>
+                </a:solidFill>
+              </a:rPr>
+              <a:t>StorageFile</a:t>
+            </a:r>
+            <a:endParaRPr lang="en-SG" sz="1050" dirty="0">
+              <a:solidFill>
+                <a:schemeClr val="bg1"/>
+              </a:solidFill>
+            </a:endParaRPr>
+          </a:p>
+        </p:txBody>
+      </p:sp>
+      <p:sp>
+        <p:nvSpPr>
+          <p:cNvPr id="80" name="Isosceles Triangle 102"/>
+          <p:cNvSpPr/>
+          <p:nvPr/>
+        </p:nvSpPr>
+        <p:spPr>
+          <a:xfrm rot="10800000" flipV="1">
+            <a:off x="2674435" y="4814590"/>
+            <a:ext cx="270504" cy="175523"/>
+          </a:xfrm>
+          <a:prstGeom prst="triangle">
+            <a:avLst/>
+          </a:prstGeom>
+          <a:ln>
+            <a:solidFill>
+              <a:srgbClr val="00B050"/>
+            </a:solidFill>
+          </a:ln>
+          <a:effectLst/>
+        </p:spPr>
+        <p:style>
+          <a:lnRef idx="1">
+            <a:schemeClr val="accent3"/>
+          </a:lnRef>
+          <a:fillRef idx="2">
+            <a:schemeClr val="accent3"/>
+          </a:fillRef>
+          <a:effectRef idx="1">
+            <a:schemeClr val="accent3"/>
+          </a:effectRef>
+          <a:fontRef idx="minor">
+            <a:schemeClr val="dk1"/>
+          </a:fontRef>
+        </p:style>
+        <p:txBody>
+          <a:bodyPr rtlCol="0" anchor="ctr"/>
+          <a:lstStyle/>
+          <a:p>
+            <a:pPr algn="ctr"/>
+            <a:endParaRPr lang="en-SG" sz="1050"/>
+          </a:p>
+        </p:txBody>
+      </p:sp>
+      <p:cxnSp>
+        <p:nvCxnSpPr>
+          <p:cNvPr id="83" name="Elbow Connector 103"/>
+          <p:cNvCxnSpPr/>
+          <p:nvPr/>
+        </p:nvCxnSpPr>
+        <p:spPr>
+          <a:xfrm rot="16200000" flipH="1">
+            <a:off x="2731490" y="5068309"/>
+            <a:ext cx="156394" cy="1"/>
+          </a:xfrm>
+          <a:prstGeom prst="bentConnector3">
+            <a:avLst>
+              <a:gd name="adj1" fmla="val 50000"/>
+            </a:avLst>
+          </a:prstGeom>
+          <a:ln w="19050">
+            <a:solidFill>
+              <a:srgbClr val="00B050"/>
+            </a:solidFill>
+            <a:prstDash val="solid"/>
+            <a:headEnd type="none" w="med" len="med"/>
+            <a:tailEnd type="none" w="med" len="med"/>
           </a:ln>
           <a:effectLst/>
         </p:spPr>
